--- a/lessons/class6/Class6C_unsupervised.pptx
+++ b/lessons/class6/Class6C_unsupervised.pptx
@@ -16830,7 +16830,7 @@
           <a:p>
             <a:fld id="{B0C0A60C-850A-4EA4-9C14-A8FE98B94505}" type="datetimeFigureOut">
               <a:rPr lang="en-US" smtClean="0"/>
-              <a:t>1/1/21</a:t>
+              <a:t>3/8/21</a:t>
             </a:fld>
             <a:endParaRPr lang="en-US"/>
           </a:p>
@@ -17229,7 +17229,7 @@
           <a:p>
             <a:fld id="{5738B90E-0779-4C36-915C-6F05FCD89456}" type="datetime1">
               <a:rPr lang="en-US" smtClean="0"/>
-              <a:t>1/1/21</a:t>
+              <a:t>3/8/21</a:t>
             </a:fld>
             <a:endParaRPr lang="en-US"/>
           </a:p>
@@ -17426,7 +17426,7 @@
           <a:p>
             <a:fld id="{7B9EA29D-D431-42FE-B7B6-AAE4454C77D3}" type="datetime1">
               <a:rPr lang="en-US" smtClean="0"/>
-              <a:t>1/1/21</a:t>
+              <a:t>3/8/21</a:t>
             </a:fld>
             <a:endParaRPr lang="en-US"/>
           </a:p>
@@ -17781,7 +17781,7 @@
           <a:p>
             <a:fld id="{690D8A1E-EA8F-46C1-B891-AE0C00D9C314}" type="datetime1">
               <a:rPr lang="en-US" smtClean="0"/>
-              <a:t>1/1/21</a:t>
+              <a:t>3/8/21</a:t>
             </a:fld>
             <a:endParaRPr lang="en-US"/>
           </a:p>
@@ -18089,7 +18089,7 @@
           <a:p>
             <a:fld id="{D753EFC8-4232-4598-94F6-94C0EBAFC469}" type="datetime1">
               <a:rPr lang="en-US" smtClean="0"/>
-              <a:t>1/1/21</a:t>
+              <a:t>3/8/21</a:t>
             </a:fld>
             <a:endParaRPr lang="en-US"/>
           </a:p>
@@ -18418,7 +18418,7 @@
           <a:p>
             <a:fld id="{F3161074-1C18-4AE7-957D-F18524378C85}" type="datetime1">
               <a:rPr lang="en-US" smtClean="0"/>
-              <a:t>1/1/21</a:t>
+              <a:t>3/8/21</a:t>
             </a:fld>
             <a:endParaRPr lang="en-US"/>
           </a:p>
@@ -18671,7 +18671,7 @@
           <a:p>
             <a:fld id="{69BE256C-8D9A-4404-B47D-41A1AE514425}" type="datetime1">
               <a:rPr lang="en-US" smtClean="0"/>
-              <a:t>1/1/21</a:t>
+              <a:t>3/8/21</a:t>
             </a:fld>
             <a:endParaRPr lang="en-US"/>
           </a:p>
@@ -19119,7 +19119,7 @@
           <a:p>
             <a:fld id="{66CB2154-9035-4012-8189-BAAB61C5A5EE}" type="datetime1">
               <a:rPr lang="en-US" smtClean="0"/>
-              <a:t>1/1/21</a:t>
+              <a:t>3/8/21</a:t>
             </a:fld>
             <a:endParaRPr lang="en-US"/>
           </a:p>
@@ -19307,7 +19307,7 @@
           <a:p>
             <a:fld id="{6700A58B-DD98-43D0-B791-721480A02982}" type="datetime1">
               <a:rPr lang="en-US" smtClean="0"/>
-              <a:t>1/1/21</a:t>
+              <a:t>3/8/21</a:t>
             </a:fld>
             <a:endParaRPr lang="en-US"/>
           </a:p>
@@ -19513,7 +19513,7 @@
           <a:p>
             <a:fld id="{7DB6E382-4F61-4E24-BE1A-377EC83D0E3A}" type="datetime1">
               <a:rPr lang="en-US" smtClean="0"/>
-              <a:t>1/1/21</a:t>
+              <a:t>3/8/21</a:t>
             </a:fld>
             <a:endParaRPr lang="en-US"/>
           </a:p>
@@ -19919,7 +19919,7 @@
           <a:p>
             <a:fld id="{4142EED6-FC16-45B9-B8C4-2BC5DBA88325}" type="datetime1">
               <a:rPr lang="en-US" smtClean="0"/>
-              <a:t>1/1/21</a:t>
+              <a:t>3/8/21</a:t>
             </a:fld>
             <a:endParaRPr lang="en-US"/>
           </a:p>
@@ -20251,7 +20251,7 @@
           <a:p>
             <a:fld id="{DF59512B-4F1D-43D7-8819-2F53FEF69650}" type="datetime1">
               <a:rPr lang="en-US" smtClean="0"/>
-              <a:t>1/1/21</a:t>
+              <a:t>3/8/21</a:t>
             </a:fld>
             <a:endParaRPr lang="en-US"/>
           </a:p>
@@ -20541,7 +20541,7 @@
           <a:p>
             <a:fld id="{08437B94-E2BF-44DC-ADC5-B05FC9934E9D}" type="datetime1">
               <a:rPr lang="en-US" smtClean="0"/>
-              <a:t>1/1/21</a:t>
+              <a:t>3/8/21</a:t>
             </a:fld>
             <a:endParaRPr lang="en-US"/>
           </a:p>
@@ -20980,7 +20980,7 @@
           <a:p>
             <a:fld id="{6700A58B-DD98-43D0-B791-721480A02982}" type="datetime1">
               <a:rPr lang="en-US" smtClean="0"/>
-              <a:t>1/1/21</a:t>
+              <a:t>3/8/21</a:t>
             </a:fld>
             <a:endParaRPr lang="en-US"/>
           </a:p>
@@ -21288,7 +21288,7 @@
           <a:p>
             <a:fld id="{6700A58B-DD98-43D0-B791-721480A02982}" type="datetime1">
               <a:rPr lang="en-US" smtClean="0"/>
-              <a:t>1/1/21</a:t>
+              <a:t>3/8/21</a:t>
             </a:fld>
             <a:endParaRPr lang="en-US"/>
           </a:p>
@@ -22046,7 +22046,7 @@
             <a:fld id="{6700A58B-DD98-43D0-B791-721480A02982}" type="datetime1">
               <a:rPr lang="en-US" smtClean="0"/>
               <a:pPr/>
-              <a:t>1/1/21</a:t>
+              <a:t>3/8/21</a:t>
             </a:fld>
             <a:endParaRPr lang="en-US"/>
           </a:p>
@@ -23030,7 +23030,7 @@
             <a:fld id="{6700A58B-DD98-43D0-B791-721480A02982}" type="datetime1">
               <a:rPr lang="en-US" smtClean="0"/>
               <a:pPr/>
-              <a:t>1/1/21</a:t>
+              <a:t>3/8/21</a:t>
             </a:fld>
             <a:endParaRPr lang="en-US"/>
           </a:p>
@@ -23696,7 +23696,7 @@
           <a:p>
             <a:fld id="{6700A58B-DD98-43D0-B791-721480A02982}" type="datetime1">
               <a:rPr lang="en-US" smtClean="0"/>
-              <a:t>1/1/21</a:t>
+              <a:t>3/8/21</a:t>
             </a:fld>
             <a:endParaRPr lang="en-US"/>
           </a:p>
@@ -24270,7 +24270,7 @@
           <a:p>
             <a:fld id="{6700A58B-DD98-43D0-B791-721480A02982}" type="datetime1">
               <a:rPr lang="en-US" smtClean="0"/>
-              <a:t>1/1/21</a:t>
+              <a:t>3/8/21</a:t>
             </a:fld>
             <a:endParaRPr lang="en-US"/>
           </a:p>
@@ -24553,7 +24553,7 @@
           <a:p>
             <a:fld id="{6700A58B-DD98-43D0-B791-721480A02982}" type="datetime1">
               <a:rPr lang="en-US" smtClean="0"/>
-              <a:t>1/1/21</a:t>
+              <a:t>3/8/21</a:t>
             </a:fld>
             <a:endParaRPr lang="en-US"/>
           </a:p>
@@ -24896,7 +24896,7 @@
           <a:p>
             <a:fld id="{6700A58B-DD98-43D0-B791-721480A02982}" type="datetime1">
               <a:rPr lang="en-US" smtClean="0"/>
-              <a:t>1/1/21</a:t>
+              <a:t>3/8/21</a:t>
             </a:fld>
             <a:endParaRPr lang="en-US"/>
           </a:p>
@@ -25290,7 +25290,7 @@
           <a:p>
             <a:fld id="{6700A58B-DD98-43D0-B791-721480A02982}" type="datetime1">
               <a:rPr lang="en-US" smtClean="0"/>
-              <a:t>1/1/21</a:t>
+              <a:t>3/8/21</a:t>
             </a:fld>
             <a:endParaRPr lang="en-US"/>
           </a:p>
@@ -25738,7 +25738,7 @@
           <a:p>
             <a:fld id="{6700A58B-DD98-43D0-B791-721480A02982}" type="datetime1">
               <a:rPr lang="en-US" smtClean="0"/>
-              <a:t>1/1/21</a:t>
+              <a:t>3/8/21</a:t>
             </a:fld>
             <a:endParaRPr lang="en-US"/>
           </a:p>
@@ -26809,7 +26809,7 @@
           <a:p>
             <a:fld id="{6700A58B-DD98-43D0-B791-721480A02982}" type="datetime1">
               <a:rPr lang="en-US" smtClean="0"/>
-              <a:t>1/1/21</a:t>
+              <a:t>3/8/21</a:t>
             </a:fld>
             <a:endParaRPr lang="en-US"/>
           </a:p>
@@ -27763,7 +27763,7 @@
           <a:p>
             <a:fld id="{6700A58B-DD98-43D0-B791-721480A02982}" type="datetime1">
               <a:rPr lang="en-US" smtClean="0"/>
-              <a:t>1/1/21</a:t>
+              <a:t>3/8/21</a:t>
             </a:fld>
             <a:endParaRPr lang="en-US"/>
           </a:p>
@@ -28311,7 +28311,7 @@
           <a:p>
             <a:fld id="{6700A58B-DD98-43D0-B791-721480A02982}" type="datetime1">
               <a:rPr lang="en-US" smtClean="0"/>
-              <a:t>1/1/21</a:t>
+              <a:t>3/8/21</a:t>
             </a:fld>
             <a:endParaRPr lang="en-US"/>
           </a:p>
@@ -29155,7 +29155,7 @@
           <a:p>
             <a:fld id="{6700A58B-DD98-43D0-B791-721480A02982}" type="datetime1">
               <a:rPr lang="en-US" smtClean="0"/>
-              <a:t>1/1/21</a:t>
+              <a:t>3/8/21</a:t>
             </a:fld>
             <a:endParaRPr lang="en-US"/>
           </a:p>
@@ -29878,7 +29878,7 @@
           <a:p>
             <a:fld id="{6700A58B-DD98-43D0-B791-721480A02982}" type="datetime1">
               <a:rPr lang="en-US" smtClean="0"/>
-              <a:t>1/1/21</a:t>
+              <a:t>3/8/21</a:t>
             </a:fld>
             <a:endParaRPr lang="en-US"/>
           </a:p>
@@ -30756,7 +30756,7 @@
           <a:p>
             <a:fld id="{6700A58B-DD98-43D0-B791-721480A02982}" type="datetime1">
               <a:rPr lang="en-US" smtClean="0"/>
-              <a:t>1/1/21</a:t>
+              <a:t>3/8/21</a:t>
             </a:fld>
             <a:endParaRPr lang="en-US"/>
           </a:p>
@@ -31302,7 +31302,7 @@
           <a:p>
             <a:fld id="{6700A58B-DD98-43D0-B791-721480A02982}" type="datetime1">
               <a:rPr lang="en-US" smtClean="0"/>
-              <a:t>1/1/21</a:t>
+              <a:t>3/8/21</a:t>
             </a:fld>
             <a:endParaRPr lang="en-US"/>
           </a:p>
@@ -31864,7 +31864,7 @@
           <a:p>
             <a:fld id="{6700A58B-DD98-43D0-B791-721480A02982}" type="datetime1">
               <a:rPr lang="en-US" smtClean="0"/>
-              <a:t>1/1/21</a:t>
+              <a:t>3/8/21</a:t>
             </a:fld>
             <a:endParaRPr lang="en-US"/>
           </a:p>
@@ -32234,7 +32234,7 @@
           <a:p>
             <a:fld id="{6700A58B-DD98-43D0-B791-721480A02982}" type="datetime1">
               <a:rPr lang="en-US" smtClean="0"/>
-              <a:t>1/1/21</a:t>
+              <a:t>3/8/21</a:t>
             </a:fld>
             <a:endParaRPr lang="en-US"/>
           </a:p>
@@ -32523,7 +32523,7 @@
           <a:p>
             <a:fld id="{6700A58B-DD98-43D0-B791-721480A02982}" type="datetime1">
               <a:rPr lang="en-US" smtClean="0"/>
-              <a:t>1/1/21</a:t>
+              <a:t>3/8/21</a:t>
             </a:fld>
             <a:endParaRPr lang="en-US"/>
           </a:p>
@@ -32685,7 +32685,7 @@
         <p:spPr>
           <a:xfrm>
             <a:off x="149130" y="1707338"/>
-            <a:ext cx="4411981" cy="1200329"/>
+            <a:ext cx="4411981" cy="1077218"/>
           </a:xfrm>
           <a:prstGeom prst="rect">
             <a:avLst/>
@@ -32698,33 +32698,25 @@
           <a:lstStyle/>
           <a:p>
             <a:r>
-              <a:rPr lang="en-US" dirty="0">
+              <a:rPr lang="en-US" sz="1600" dirty="0">
                 <a:solidFill>
                   <a:schemeClr val="accent2"/>
                 </a:solidFill>
               </a:rPr>
-              <a:t>Class4</a:t>
+              <a:t>Sentiment Class</a:t>
             </a:r>
           </a:p>
           <a:p>
             <a:r>
-              <a:rPr lang="en-US" dirty="0" err="1">
+              <a:rPr lang="en-US" sz="1600" dirty="0">
                 <a:solidFill>
                   <a:schemeClr val="accent2"/>
                 </a:solidFill>
               </a:rPr>
-              <a:t>C_sentimentAnalysis_II.R</a:t>
+              <a:t>Basic WFM for each of the polarized/sentiment subsections. Use Sentiment to Divide and Explore terms; </a:t>
             </a:r>
             <a:r>
-              <a:rPr lang="en-US" dirty="0">
-                <a:solidFill>
-                  <a:schemeClr val="accent2"/>
-                </a:solidFill>
-              </a:rPr>
-              <a:t> – Use Sentiment to Divide and Explore terms; </a:t>
-            </a:r>
-            <a:r>
-              <a:rPr lang="en-US" i="1" dirty="0">
+              <a:rPr lang="en-US" sz="1600" i="1" dirty="0">
                 <a:solidFill>
                   <a:schemeClr val="accent2"/>
                 </a:solidFill>
@@ -32821,7 +32813,7 @@
           <a:p>
             <a:r>
               <a:rPr lang="en-US" dirty="0"/>
-              <a:t>Class5</a:t>
+              <a:t>Unsupervised Class</a:t>
             </a:r>
           </a:p>
           <a:p>
@@ -33085,7 +33077,7 @@
           <a:graphicData uri="http://schemas.openxmlformats.org/presentationml/2006/ole">
             <mc:AlternateContent xmlns:mc="http://schemas.openxmlformats.org/markup-compatibility/2006">
               <mc:Choice xmlns:v="urn:schemas-microsoft-com:vml" Requires="v">
-                <p:oleObj spid="_x0000_s1060" name="Document" r:id="rId3" imgW="2858268" imgH="544757" progId="Word.Document.12">
+                <p:oleObj spid="_x0000_s1062" name="Document" r:id="rId3" imgW="2858268" imgH="544757" progId="Word.Document.12">
                   <p:embed/>
                 </p:oleObj>
               </mc:Choice>
@@ -33179,7 +33171,7 @@
           <a:p>
             <a:fld id="{6700A58B-DD98-43D0-B791-721480A02982}" type="datetime1">
               <a:rPr lang="en-US" smtClean="0"/>
-              <a:t>1/1/21</a:t>
+              <a:t>3/8/21</a:t>
             </a:fld>
             <a:endParaRPr lang="en-US"/>
           </a:p>
@@ -33806,7 +33798,7 @@
           <a:p>
             <a:fld id="{6700A58B-DD98-43D0-B791-721480A02982}" type="datetime1">
               <a:rPr lang="en-US" smtClean="0"/>
-              <a:t>1/1/21</a:t>
+              <a:t>3/8/21</a:t>
             </a:fld>
             <a:endParaRPr lang="en-US"/>
           </a:p>
@@ -34819,7 +34811,7 @@
           <a:p>
             <a:fld id="{6700A58B-DD98-43D0-B791-721480A02982}" type="datetime1">
               <a:rPr lang="en-US" smtClean="0"/>
-              <a:t>1/1/21</a:t>
+              <a:t>3/8/21</a:t>
             </a:fld>
             <a:endParaRPr lang="en-US"/>
           </a:p>
@@ -35327,7 +35319,7 @@
             <a:fld id="{6700A58B-DD98-43D0-B791-721480A02982}" type="datetime1">
               <a:rPr lang="en-US" smtClean="0"/>
               <a:pPr/>
-              <a:t>1/1/21</a:t>
+              <a:t>3/8/21</a:t>
             </a:fld>
             <a:endParaRPr lang="en-US"/>
           </a:p>
@@ -35938,7 +35930,7 @@
             <a:fld id="{6700A58B-DD98-43D0-B791-721480A02982}" type="datetime1">
               <a:rPr lang="en-US" smtClean="0"/>
               <a:pPr/>
-              <a:t>1/1/21</a:t>
+              <a:t>3/8/21</a:t>
             </a:fld>
             <a:endParaRPr lang="en-US"/>
           </a:p>
@@ -36588,7 +36580,7 @@
             <a:fld id="{6700A58B-DD98-43D0-B791-721480A02982}" type="datetime1">
               <a:rPr lang="en-US" smtClean="0"/>
               <a:pPr/>
-              <a:t>1/1/21</a:t>
+              <a:t>3/8/21</a:t>
             </a:fld>
             <a:endParaRPr lang="en-US"/>
           </a:p>
@@ -37383,7 +37375,7 @@
             <a:fld id="{6700A58B-DD98-43D0-B791-721480A02982}" type="datetime1">
               <a:rPr lang="en-US" smtClean="0"/>
               <a:pPr/>
-              <a:t>1/1/21</a:t>
+              <a:t>3/8/21</a:t>
             </a:fld>
             <a:endParaRPr lang="en-US"/>
           </a:p>
